--- a/docs/diagrams/DisplaySalesSequenceDiagram.pptx
+++ b/docs/diagrams/DisplaySalesSequenceDiagram.pptx
@@ -104,6 +104,11 @@
       </a:defRPr>
     </a:lvl9pPr>
   </p:defaultTextStyle>
+  <p:extLst>
+    <p:ext uri="{EFAFB233-063F-42B5-8137-9DF3F51BA10A}">
+      <p15:sldGuideLst xmlns:p15="http://schemas.microsoft.com/office/powerpoint/2012/main"/>
+    </p:ext>
+  </p:extLst>
 </p:presentation>
 </file>
 
@@ -238,7 +243,7 @@
           <a:p>
             <a:fld id="{4D1B3380-6078-4607-8330-76A9CDBCE97E}" type="datetimeFigureOut">
               <a:rPr lang="en-US" smtClean="0"/>
-              <a:t>10/23/2018</a:t>
+              <a:t>10/29/2018</a:t>
             </a:fld>
             <a:endParaRPr lang="en-US"/>
           </a:p>
@@ -408,7 +413,7 @@
           <a:p>
             <a:fld id="{4D1B3380-6078-4607-8330-76A9CDBCE97E}" type="datetimeFigureOut">
               <a:rPr lang="en-US" smtClean="0"/>
-              <a:t>10/23/2018</a:t>
+              <a:t>10/29/2018</a:t>
             </a:fld>
             <a:endParaRPr lang="en-US"/>
           </a:p>
@@ -588,7 +593,7 @@
           <a:p>
             <a:fld id="{4D1B3380-6078-4607-8330-76A9CDBCE97E}" type="datetimeFigureOut">
               <a:rPr lang="en-US" smtClean="0"/>
-              <a:t>10/23/2018</a:t>
+              <a:t>10/29/2018</a:t>
             </a:fld>
             <a:endParaRPr lang="en-US"/>
           </a:p>
@@ -758,7 +763,7 @@
           <a:p>
             <a:fld id="{4D1B3380-6078-4607-8330-76A9CDBCE97E}" type="datetimeFigureOut">
               <a:rPr lang="en-US" smtClean="0"/>
-              <a:t>10/23/2018</a:t>
+              <a:t>10/29/2018</a:t>
             </a:fld>
             <a:endParaRPr lang="en-US"/>
           </a:p>
@@ -1004,7 +1009,7 @@
           <a:p>
             <a:fld id="{4D1B3380-6078-4607-8330-76A9CDBCE97E}" type="datetimeFigureOut">
               <a:rPr lang="en-US" smtClean="0"/>
-              <a:t>10/23/2018</a:t>
+              <a:t>10/29/2018</a:t>
             </a:fld>
             <a:endParaRPr lang="en-US"/>
           </a:p>
@@ -1236,7 +1241,7 @@
           <a:p>
             <a:fld id="{4D1B3380-6078-4607-8330-76A9CDBCE97E}" type="datetimeFigureOut">
               <a:rPr lang="en-US" smtClean="0"/>
-              <a:t>10/23/2018</a:t>
+              <a:t>10/29/2018</a:t>
             </a:fld>
             <a:endParaRPr lang="en-US"/>
           </a:p>
@@ -1603,7 +1608,7 @@
           <a:p>
             <a:fld id="{4D1B3380-6078-4607-8330-76A9CDBCE97E}" type="datetimeFigureOut">
               <a:rPr lang="en-US" smtClean="0"/>
-              <a:t>10/23/2018</a:t>
+              <a:t>10/29/2018</a:t>
             </a:fld>
             <a:endParaRPr lang="en-US"/>
           </a:p>
@@ -1721,7 +1726,7 @@
           <a:p>
             <a:fld id="{4D1B3380-6078-4607-8330-76A9CDBCE97E}" type="datetimeFigureOut">
               <a:rPr lang="en-US" smtClean="0"/>
-              <a:t>10/23/2018</a:t>
+              <a:t>10/29/2018</a:t>
             </a:fld>
             <a:endParaRPr lang="en-US"/>
           </a:p>
@@ -1816,7 +1821,7 @@
           <a:p>
             <a:fld id="{4D1B3380-6078-4607-8330-76A9CDBCE97E}" type="datetimeFigureOut">
               <a:rPr lang="en-US" smtClean="0"/>
-              <a:t>10/23/2018</a:t>
+              <a:t>10/29/2018</a:t>
             </a:fld>
             <a:endParaRPr lang="en-US"/>
           </a:p>
@@ -2093,7 +2098,7 @@
           <a:p>
             <a:fld id="{4D1B3380-6078-4607-8330-76A9CDBCE97E}" type="datetimeFigureOut">
               <a:rPr lang="en-US" smtClean="0"/>
-              <a:t>10/23/2018</a:t>
+              <a:t>10/29/2018</a:t>
             </a:fld>
             <a:endParaRPr lang="en-US"/>
           </a:p>
@@ -2350,7 +2355,7 @@
           <a:p>
             <a:fld id="{4D1B3380-6078-4607-8330-76A9CDBCE97E}" type="datetimeFigureOut">
               <a:rPr lang="en-US" smtClean="0"/>
-              <a:t>10/23/2018</a:t>
+              <a:t>10/29/2018</a:t>
             </a:fld>
             <a:endParaRPr lang="en-US"/>
           </a:p>
@@ -2563,7 +2568,7 @@
           <a:p>
             <a:fld id="{4D1B3380-6078-4607-8330-76A9CDBCE97E}" type="datetimeFigureOut">
               <a:rPr lang="en-US" smtClean="0"/>
-              <a:t>10/23/2018</a:t>
+              <a:t>10/29/2018</a:t>
             </a:fld>
             <a:endParaRPr lang="en-US"/>
           </a:p>
@@ -3587,7 +3592,7 @@
         <p:spPr>
           <a:xfrm>
             <a:off x="19466301" y="2707201"/>
-            <a:ext cx="2397763" cy="894075"/>
+            <a:ext cx="2820371" cy="894075"/>
           </a:xfrm>
           <a:prstGeom prst="rect">
             <a:avLst/>
@@ -3625,7 +3630,7 @@
             </a:r>
             <a:r>
               <a:rPr lang="en-US" sz="2800" dirty="0" err="1"/>
-              <a:t>AddressBookParser</a:t>
+              <a:t>RestaurantBookParser</a:t>
             </a:r>
             <a:endParaRPr lang="en-US" sz="2800" dirty="0"/>
           </a:p>
@@ -5594,8 +5599,8 @@
         </p:nvSpPr>
         <p:spPr>
           <a:xfrm>
-            <a:off x="35473766" y="9811360"/>
-            <a:ext cx="2518706" cy="527906"/>
+            <a:off x="35473766" y="9780224"/>
+            <a:ext cx="2784166" cy="559042"/>
           </a:xfrm>
           <a:prstGeom prst="rect">
             <a:avLst/>
@@ -5639,7 +5644,7 @@
             </a:r>
             <a:r>
               <a:rPr lang="en-US" sz="2800" dirty="0" err="1"/>
-              <a:t>AddressBook</a:t>
+              <a:t>RestaurantBook</a:t>
             </a:r>
             <a:endParaRPr lang="en-US" sz="2800" dirty="0"/>
           </a:p>
